--- a/卒業論文/2016/須山武弘/中間審査_ポスター.pptx
+++ b/卒業論文/2016/須山武弘/中間審査_ポスター.pptx
@@ -113,7 +113,7 @@
   <p:extLst>
     <p:ext uri="{EFAFB233-063F-42B5-8137-9DF3F51BA10A}">
       <p15:sldGuideLst xmlns:p15="http://schemas.microsoft.com/office/powerpoint/2012/main">
-        <p15:guide id="2" pos="6736" userDrawn="1">
+        <p15:guide id="2" pos="6781" userDrawn="1">
           <p15:clr>
             <a:srgbClr val="A4A3A4"/>
           </p15:clr>
@@ -124,6 +124,11 @@
           </p15:clr>
         </p15:guide>
         <p15:guide id="4" pos="386" userDrawn="1">
+          <p15:clr>
+            <a:srgbClr val="A4A3A4"/>
+          </p15:clr>
+        </p15:guide>
+        <p15:guide id="5" orient="horz" pos="10671" userDrawn="1">
           <p15:clr>
             <a:srgbClr val="A4A3A4"/>
           </p15:clr>
@@ -216,7 +221,7 @@
           <a:p>
             <a:fld id="{1355B614-8C80-42CD-A0C7-A8AC0A708725}" type="datetimeFigureOut">
               <a:rPr kumimoji="1" lang="ja-JP" altLang="en-US" smtClean="0"/>
-              <a:t>2017/10/6</a:t>
+              <a:t>2017/10/10</a:t>
             </a:fld>
             <a:endParaRPr kumimoji="1" lang="ja-JP" altLang="en-US"/>
           </a:p>
@@ -731,7 +736,7 @@
           <a:p>
             <a:fld id="{CD18CB5A-6947-405F-A94A-52FF85729738}" type="datetimeFigureOut">
               <a:rPr kumimoji="1" lang="ja-JP" altLang="en-US" smtClean="0"/>
-              <a:t>2017/10/6</a:t>
+              <a:t>2017/10/10</a:t>
             </a:fld>
             <a:endParaRPr kumimoji="1" lang="ja-JP" altLang="en-US"/>
           </a:p>
@@ -940,7 +945,7 @@
           <a:p>
             <a:fld id="{CD18CB5A-6947-405F-A94A-52FF85729738}" type="datetimeFigureOut">
               <a:rPr kumimoji="1" lang="ja-JP" altLang="en-US" smtClean="0"/>
-              <a:t>2017/10/6</a:t>
+              <a:t>2017/10/10</a:t>
             </a:fld>
             <a:endParaRPr kumimoji="1" lang="ja-JP" altLang="en-US"/>
           </a:p>
@@ -1152,7 +1157,7 @@
           <a:p>
             <a:fld id="{CD18CB5A-6947-405F-A94A-52FF85729738}" type="datetimeFigureOut">
               <a:rPr kumimoji="1" lang="ja-JP" altLang="en-US" smtClean="0"/>
-              <a:t>2017/10/6</a:t>
+              <a:t>2017/10/10</a:t>
             </a:fld>
             <a:endParaRPr kumimoji="1" lang="ja-JP" altLang="en-US"/>
           </a:p>
@@ -1354,7 +1359,7 @@
           <a:p>
             <a:fld id="{CD18CB5A-6947-405F-A94A-52FF85729738}" type="datetimeFigureOut">
               <a:rPr kumimoji="1" lang="ja-JP" altLang="en-US" smtClean="0"/>
-              <a:t>2017/10/6</a:t>
+              <a:t>2017/10/10</a:t>
             </a:fld>
             <a:endParaRPr kumimoji="1" lang="ja-JP" altLang="en-US"/>
           </a:p>
@@ -1607,7 +1612,7 @@
           <a:p>
             <a:fld id="{CD18CB5A-6947-405F-A94A-52FF85729738}" type="datetimeFigureOut">
               <a:rPr kumimoji="1" lang="ja-JP" altLang="en-US" smtClean="0"/>
-              <a:t>2017/10/6</a:t>
+              <a:t>2017/10/10</a:t>
             </a:fld>
             <a:endParaRPr kumimoji="1" lang="ja-JP" altLang="en-US"/>
           </a:p>
@@ -1910,7 +1915,7 @@
           <a:p>
             <a:fld id="{CD18CB5A-6947-405F-A94A-52FF85729738}" type="datetimeFigureOut">
               <a:rPr kumimoji="1" lang="ja-JP" altLang="en-US" smtClean="0"/>
-              <a:t>2017/10/6</a:t>
+              <a:t>2017/10/10</a:t>
             </a:fld>
             <a:endParaRPr kumimoji="1" lang="ja-JP" altLang="en-US"/>
           </a:p>
@@ -2341,7 +2346,7 @@
           <a:p>
             <a:fld id="{CD18CB5A-6947-405F-A94A-52FF85729738}" type="datetimeFigureOut">
               <a:rPr kumimoji="1" lang="ja-JP" altLang="en-US" smtClean="0"/>
-              <a:t>2017/10/6</a:t>
+              <a:t>2017/10/10</a:t>
             </a:fld>
             <a:endParaRPr kumimoji="1" lang="ja-JP" altLang="en-US"/>
           </a:p>
@@ -2459,7 +2464,7 @@
           <a:p>
             <a:fld id="{CD18CB5A-6947-405F-A94A-52FF85729738}" type="datetimeFigureOut">
               <a:rPr kumimoji="1" lang="ja-JP" altLang="en-US" smtClean="0"/>
-              <a:t>2017/10/6</a:t>
+              <a:t>2017/10/10</a:t>
             </a:fld>
             <a:endParaRPr kumimoji="1" lang="ja-JP" altLang="en-US"/>
           </a:p>
@@ -2561,7 +2566,7 @@
           <a:p>
             <a:fld id="{CD18CB5A-6947-405F-A94A-52FF85729738}" type="datetimeFigureOut">
               <a:rPr kumimoji="1" lang="ja-JP" altLang="en-US" smtClean="0"/>
-              <a:t>2017/10/6</a:t>
+              <a:t>2017/10/10</a:t>
             </a:fld>
             <a:endParaRPr kumimoji="1" lang="ja-JP" altLang="en-US"/>
           </a:p>
@@ -2877,7 +2882,7 @@
           <a:p>
             <a:fld id="{CD18CB5A-6947-405F-A94A-52FF85729738}" type="datetimeFigureOut">
               <a:rPr kumimoji="1" lang="ja-JP" altLang="en-US" smtClean="0"/>
-              <a:t>2017/10/6</a:t>
+              <a:t>2017/10/10</a:t>
             </a:fld>
             <a:endParaRPr kumimoji="1" lang="ja-JP" altLang="en-US"/>
           </a:p>
@@ -3130,7 +3135,7 @@
           <a:p>
             <a:fld id="{CD18CB5A-6947-405F-A94A-52FF85729738}" type="datetimeFigureOut">
               <a:rPr kumimoji="1" lang="ja-JP" altLang="en-US" smtClean="0"/>
-              <a:t>2017/10/6</a:t>
+              <a:t>2017/10/10</a:t>
             </a:fld>
             <a:endParaRPr kumimoji="1" lang="ja-JP" altLang="en-US"/>
           </a:p>
@@ -3375,7 +3380,7 @@
           <a:p>
             <a:fld id="{CD18CB5A-6947-405F-A94A-52FF85729738}" type="datetimeFigureOut">
               <a:rPr kumimoji="1" lang="ja-JP" altLang="en-US" smtClean="0"/>
-              <a:t>2017/10/6</a:t>
+              <a:t>2017/10/10</a:t>
             </a:fld>
             <a:endParaRPr kumimoji="1" lang="ja-JP" altLang="en-US"/>
           </a:p>
@@ -5179,8 +5184,8 @@
         </p:nvSpPr>
         <p:spPr>
           <a:xfrm>
-            <a:off x="1257778" y="16634311"/>
-            <a:ext cx="8672054" cy="1323439"/>
+            <a:off x="1493529" y="16925745"/>
+            <a:ext cx="7960362" cy="4401205"/>
           </a:xfrm>
           <a:prstGeom prst="rect">
             <a:avLst/>
@@ -5188,45 +5193,70 @@
           <a:noFill/>
         </p:spPr>
         <p:txBody>
-          <a:bodyPr wrap="none" rtlCol="0">
+          <a:bodyPr wrap="square" rtlCol="0">
             <a:spAutoFit/>
           </a:bodyPr>
           <a:lstStyle/>
           <a:p>
+            <a:pPr marL="571500" indent="-571500">
+              <a:buFont typeface="Wingdings" panose="05000000000000000000" pitchFamily="2" charset="2"/>
+              <a:buChar char="l"/>
+            </a:pPr>
+            <a:r>
+              <a:rPr lang="en-US" altLang="ja-JP" sz="4000" dirty="0">
+                <a:latin typeface="メイリオ" panose="020B0604030504040204" pitchFamily="50" charset="-128"/>
+                <a:ea typeface="メイリオ" panose="020B0604030504040204" pitchFamily="50" charset="-128"/>
+              </a:rPr>
+              <a:t>I</a:t>
+            </a:r>
+            <a:r>
+              <a:rPr lang="en-US" altLang="ja-JP" sz="4000" dirty="0" smtClean="0">
+                <a:latin typeface="メイリオ" panose="020B0604030504040204" pitchFamily="50" charset="-128"/>
+                <a:ea typeface="メイリオ" panose="020B0604030504040204" pitchFamily="50" charset="-128"/>
+              </a:rPr>
+              <a:t>BM</a:t>
+            </a:r>
             <a:r>
               <a:rPr lang="ja-JP" altLang="en-US" sz="4000" dirty="0" smtClean="0">
                 <a:latin typeface="メイリオ" panose="020B0604030504040204" pitchFamily="50" charset="-128"/>
                 <a:ea typeface="メイリオ" panose="020B0604030504040204" pitchFamily="50" charset="-128"/>
               </a:rPr>
-              <a:t>○</a:t>
-            </a:r>
-            <a:r>
-              <a:rPr lang="en-US" altLang="ja-JP" sz="4000" dirty="0" smtClean="0">
-                <a:latin typeface="メイリオ" panose="020B0604030504040204" pitchFamily="50" charset="-128"/>
-                <a:ea typeface="メイリオ" panose="020B0604030504040204" pitchFamily="50" charset="-128"/>
-              </a:rPr>
-              <a:t>IBM</a:t>
+              <a:t> </a:t>
+            </a:r>
+            <a:r>
+              <a:rPr lang="en-US" altLang="ja-JP" sz="4000" dirty="0" err="1" smtClean="0">
+                <a:latin typeface="メイリオ" panose="020B0604030504040204" pitchFamily="50" charset="-128"/>
+                <a:ea typeface="メイリオ" panose="020B0604030504040204" pitchFamily="50" charset="-128"/>
+              </a:rPr>
+              <a:t>WatsonAPI</a:t>
             </a:r>
             <a:r>
               <a:rPr lang="ja-JP" altLang="en-US" sz="4000" dirty="0" smtClean="0">
                 <a:latin typeface="メイリオ" panose="020B0604030504040204" pitchFamily="50" charset="-128"/>
                 <a:ea typeface="メイリオ" panose="020B0604030504040204" pitchFamily="50" charset="-128"/>
               </a:rPr>
-              <a:t> </a:t>
-            </a:r>
-            <a:r>
-              <a:rPr lang="en-US" altLang="ja-JP" sz="4000" dirty="0" err="1" smtClean="0">
-                <a:latin typeface="メイリオ" panose="020B0604030504040204" pitchFamily="50" charset="-128"/>
-                <a:ea typeface="メイリオ" panose="020B0604030504040204" pitchFamily="50" charset="-128"/>
-              </a:rPr>
-              <a:t>WatsonAPI</a:t>
+              <a:t>を用い，</a:t>
             </a:r>
             <a:r>
               <a:rPr lang="ja-JP" altLang="en-US" sz="4000" dirty="0" smtClean="0">
                 <a:latin typeface="メイリオ" panose="020B0604030504040204" pitchFamily="50" charset="-128"/>
                 <a:ea typeface="メイリオ" panose="020B0604030504040204" pitchFamily="50" charset="-128"/>
               </a:rPr>
-              <a:t>を用い，文書検査</a:t>
+              <a:t>文書検査ツール</a:t>
+            </a:r>
+            <a:r>
+              <a:rPr lang="ja-JP" altLang="en-US" sz="4000" dirty="0" smtClean="0">
+                <a:latin typeface="メイリオ" panose="020B0604030504040204" pitchFamily="50" charset="-128"/>
+                <a:ea typeface="メイリオ" panose="020B0604030504040204" pitchFamily="50" charset="-128"/>
+              </a:rPr>
+              <a:t>を実装</a:t>
+            </a:r>
+            <a:r>
+              <a:rPr lang="ja-JP" altLang="en-US" sz="4000" dirty="0" smtClean="0">
+                <a:latin typeface="メイリオ" panose="020B0604030504040204" pitchFamily="50" charset="-128"/>
+                <a:ea typeface="メイリオ" panose="020B0604030504040204" pitchFamily="50" charset="-128"/>
+              </a:rPr>
+              <a:t>する</a:t>
             </a:r>
             <a:endParaRPr lang="en-US" altLang="ja-JP" sz="4000" dirty="0" smtClean="0">
               <a:latin typeface="メイリオ" panose="020B0604030504040204" pitchFamily="50" charset="-128"/>
@@ -5234,21 +5264,101 @@
             </a:endParaRPr>
           </a:p>
           <a:p>
+            <a:pPr marL="571500" indent="-571500">
+              <a:buFont typeface="Wingdings" panose="05000000000000000000" pitchFamily="2" charset="2"/>
+              <a:buChar char="l"/>
+            </a:pPr>
+            <a:r>
+              <a:rPr lang="ja-JP" altLang="en-US" sz="4000" dirty="0" smtClean="0">
+                <a:latin typeface="メイリオ" panose="020B0604030504040204" pitchFamily="50" charset="-128"/>
+                <a:ea typeface="メイリオ" panose="020B0604030504040204" pitchFamily="50" charset="-128"/>
+              </a:rPr>
+              <a:t>文書</a:t>
+            </a:r>
             <a:r>
               <a:rPr lang="ja-JP" altLang="en-US" sz="4000" dirty="0">
                 <a:latin typeface="メイリオ" panose="020B0604030504040204" pitchFamily="50" charset="-128"/>
                 <a:ea typeface="メイリオ" panose="020B0604030504040204" pitchFamily="50" charset="-128"/>
               </a:rPr>
-              <a:t>　</a:t>
+              <a:t>検査ツールで検査を</a:t>
             </a:r>
             <a:r>
               <a:rPr lang="ja-JP" altLang="en-US" sz="4000" dirty="0" smtClean="0">
                 <a:latin typeface="メイリオ" panose="020B0604030504040204" pitchFamily="50" charset="-128"/>
                 <a:ea typeface="メイリオ" panose="020B0604030504040204" pitchFamily="50" charset="-128"/>
               </a:rPr>
-              <a:t>ツールを実装する</a:t>
+              <a:t>行う</a:t>
             </a:r>
             <a:endParaRPr lang="en-US" altLang="ja-JP" sz="4000" dirty="0" smtClean="0">
+              <a:latin typeface="メイリオ" panose="020B0604030504040204" pitchFamily="50" charset="-128"/>
+              <a:ea typeface="メイリオ" panose="020B0604030504040204" pitchFamily="50" charset="-128"/>
+            </a:endParaRPr>
+          </a:p>
+          <a:p>
+            <a:pPr marL="571500" indent="-571500">
+              <a:buFont typeface="Wingdings" panose="05000000000000000000" pitchFamily="2" charset="2"/>
+              <a:buChar char="l"/>
+            </a:pPr>
+            <a:r>
+              <a:rPr lang="en-US" altLang="ja-JP" sz="4000" dirty="0" err="1" smtClean="0">
+                <a:latin typeface="メイリオ" panose="020B0604030504040204" pitchFamily="50" charset="-128"/>
+                <a:ea typeface="メイリオ" panose="020B0604030504040204" pitchFamily="50" charset="-128"/>
+              </a:rPr>
+              <a:t>RedPen</a:t>
+            </a:r>
+            <a:r>
+              <a:rPr lang="ja-JP" altLang="en-US" sz="4000" dirty="0">
+                <a:latin typeface="メイリオ" panose="020B0604030504040204" pitchFamily="50" charset="-128"/>
+                <a:ea typeface="メイリオ" panose="020B0604030504040204" pitchFamily="50" charset="-128"/>
+              </a:rPr>
+              <a:t>などの検査ツールを</a:t>
+            </a:r>
+            <a:r>
+              <a:rPr lang="ja-JP" altLang="en-US" sz="4000" dirty="0" smtClean="0">
+                <a:latin typeface="メイリオ" panose="020B0604030504040204" pitchFamily="50" charset="-128"/>
+                <a:ea typeface="メイリオ" panose="020B0604030504040204" pitchFamily="50" charset="-128"/>
+              </a:rPr>
+              <a:t>用いて検査</a:t>
+            </a:r>
+            <a:r>
+              <a:rPr lang="ja-JP" altLang="en-US" sz="4000" dirty="0">
+                <a:latin typeface="メイリオ" panose="020B0604030504040204" pitchFamily="50" charset="-128"/>
+                <a:ea typeface="メイリオ" panose="020B0604030504040204" pitchFamily="50" charset="-128"/>
+              </a:rPr>
+              <a:t>を</a:t>
+            </a:r>
+            <a:r>
+              <a:rPr lang="ja-JP" altLang="en-US" sz="4000" dirty="0" smtClean="0">
+                <a:latin typeface="メイリオ" panose="020B0604030504040204" pitchFamily="50" charset="-128"/>
+                <a:ea typeface="メイリオ" panose="020B0604030504040204" pitchFamily="50" charset="-128"/>
+              </a:rPr>
+              <a:t>行う</a:t>
+            </a:r>
+            <a:endParaRPr lang="ja-JP" altLang="en-US" sz="4000" dirty="0">
+              <a:latin typeface="メイリオ" panose="020B0604030504040204" pitchFamily="50" charset="-128"/>
+              <a:ea typeface="メイリオ" panose="020B0604030504040204" pitchFamily="50" charset="-128"/>
+            </a:endParaRPr>
+          </a:p>
+          <a:p>
+            <a:pPr marL="571500" indent="-571500">
+              <a:buFont typeface="Wingdings" panose="05000000000000000000" pitchFamily="2" charset="2"/>
+              <a:buChar char="l"/>
+            </a:pPr>
+            <a:r>
+              <a:rPr lang="ja-JP" altLang="en-US" sz="4000" dirty="0">
+                <a:latin typeface="メイリオ" panose="020B0604030504040204" pitchFamily="50" charset="-128"/>
+                <a:ea typeface="メイリオ" panose="020B0604030504040204" pitchFamily="50" charset="-128"/>
+              </a:rPr>
+              <a:t>出力結果の違いを検証，考察</a:t>
+            </a:r>
+            <a:r>
+              <a:rPr lang="ja-JP" altLang="en-US" sz="4000" dirty="0" smtClean="0">
+                <a:latin typeface="メイリオ" panose="020B0604030504040204" pitchFamily="50" charset="-128"/>
+                <a:ea typeface="メイリオ" panose="020B0604030504040204" pitchFamily="50" charset="-128"/>
+              </a:rPr>
+              <a:t>する</a:t>
+            </a:r>
+            <a:endParaRPr lang="en-US" altLang="ja-JP" sz="4000" dirty="0">
               <a:latin typeface="メイリオ" panose="020B0604030504040204" pitchFamily="50" charset="-128"/>
               <a:ea typeface="メイリオ" panose="020B0604030504040204" pitchFamily="50" charset="-128"/>
             </a:endParaRPr>
@@ -5737,8 +5847,8 @@
         </p:nvSpPr>
         <p:spPr>
           <a:xfrm>
-            <a:off x="11608825" y="16667675"/>
-            <a:ext cx="8970933" cy="1323439"/>
+            <a:off x="12079670" y="16970959"/>
+            <a:ext cx="7779027" cy="3785652"/>
           </a:xfrm>
           <a:prstGeom prst="rect">
             <a:avLst/>
@@ -5751,12 +5861,44 @@
           </a:bodyPr>
           <a:lstStyle/>
           <a:p>
+            <a:pPr marL="571500" indent="-571500">
+              <a:buFont typeface="Wingdings" panose="05000000000000000000" pitchFamily="2" charset="2"/>
+              <a:buChar char="l"/>
+            </a:pPr>
             <a:r>
               <a:rPr lang="ja-JP" altLang="en-US" sz="4000" dirty="0" smtClean="0">
                 <a:latin typeface="メイリオ" panose="020B0604030504040204" pitchFamily="50" charset="-128"/>
                 <a:ea typeface="メイリオ" panose="020B0604030504040204" pitchFamily="50" charset="-128"/>
               </a:rPr>
-              <a:t>○機械学習を用いた文書検査ツール</a:t>
+              <a:t>機械</a:t>
+            </a:r>
+            <a:r>
+              <a:rPr lang="ja-JP" altLang="en-US" sz="4000" dirty="0" smtClean="0">
+                <a:latin typeface="メイリオ" panose="020B0604030504040204" pitchFamily="50" charset="-128"/>
+                <a:ea typeface="メイリオ" panose="020B0604030504040204" pitchFamily="50" charset="-128"/>
+              </a:rPr>
+              <a:t>学習を用いた文書検査</a:t>
+            </a:r>
+            <a:r>
+              <a:rPr lang="ja-JP" altLang="en-US" sz="4000" dirty="0" smtClean="0">
+                <a:latin typeface="メイリオ" panose="020B0604030504040204" pitchFamily="50" charset="-128"/>
+                <a:ea typeface="メイリオ" panose="020B0604030504040204" pitchFamily="50" charset="-128"/>
+              </a:rPr>
+              <a:t>ツールの</a:t>
+            </a:r>
+            <a:r>
+              <a:rPr lang="ja-JP" altLang="en-US" sz="4000" dirty="0" smtClean="0">
+                <a:latin typeface="メイリオ" panose="020B0604030504040204" pitchFamily="50" charset="-128"/>
+                <a:ea typeface="メイリオ" panose="020B0604030504040204" pitchFamily="50" charset="-128"/>
+              </a:rPr>
+              <a:t>有用性の検証，</a:t>
+            </a:r>
+            <a:r>
+              <a:rPr lang="ja-JP" altLang="en-US" sz="4000" dirty="0" smtClean="0">
+                <a:latin typeface="メイリオ" panose="020B0604030504040204" pitchFamily="50" charset="-128"/>
+                <a:ea typeface="メイリオ" panose="020B0604030504040204" pitchFamily="50" charset="-128"/>
+              </a:rPr>
+              <a:t>考察</a:t>
             </a:r>
             <a:endParaRPr lang="en-US" altLang="ja-JP" sz="4000" dirty="0" smtClean="0">
               <a:latin typeface="メイリオ" panose="020B0604030504040204" pitchFamily="50" charset="-128"/>
@@ -5764,281 +5906,54 @@
             </a:endParaRPr>
           </a:p>
           <a:p>
+            <a:pPr marL="571500" indent="-571500">
+              <a:buFont typeface="Wingdings" panose="05000000000000000000" pitchFamily="2" charset="2"/>
+              <a:buChar char="l"/>
+            </a:pPr>
+            <a:r>
+              <a:rPr lang="en-US" altLang="ja-JP" sz="4000" dirty="0" err="1">
+                <a:latin typeface="メイリオ" panose="020B0604030504040204" pitchFamily="50" charset="-128"/>
+                <a:ea typeface="メイリオ" panose="020B0604030504040204" pitchFamily="50" charset="-128"/>
+              </a:rPr>
+              <a:t>RedPen</a:t>
+            </a:r>
             <a:r>
               <a:rPr lang="ja-JP" altLang="en-US" sz="4000" dirty="0">
                 <a:latin typeface="メイリオ" panose="020B0604030504040204" pitchFamily="50" charset="-128"/>
                 <a:ea typeface="メイリオ" panose="020B0604030504040204" pitchFamily="50" charset="-128"/>
               </a:rPr>
-              <a:t>　</a:t>
+              <a:t>などのツールとの出力</a:t>
             </a:r>
             <a:r>
               <a:rPr lang="ja-JP" altLang="en-US" sz="4000" dirty="0" smtClean="0">
                 <a:latin typeface="メイリオ" panose="020B0604030504040204" pitchFamily="50" charset="-128"/>
                 <a:ea typeface="メイリオ" panose="020B0604030504040204" pitchFamily="50" charset="-128"/>
               </a:rPr>
-              <a:t>の有用性の検証，考察</a:t>
-            </a:r>
-            <a:endParaRPr lang="en-US" altLang="ja-JP" sz="4000" dirty="0">
-              <a:latin typeface="メイリオ" panose="020B0604030504040204" pitchFamily="50" charset="-128"/>
-              <a:ea typeface="メイリオ" panose="020B0604030504040204" pitchFamily="50" charset="-128"/>
-            </a:endParaRPr>
-          </a:p>
-        </p:txBody>
-      </p:sp>
-      <p:sp>
-        <p:nvSpPr>
-          <p:cNvPr id="75" name="テキスト ボックス 74"/>
-          <p:cNvSpPr txBox="1"/>
-          <p:nvPr/>
-        </p:nvSpPr>
-        <p:spPr>
-          <a:xfrm>
-            <a:off x="1284573" y="18154625"/>
-            <a:ext cx="7366119" cy="707886"/>
-          </a:xfrm>
-          <a:prstGeom prst="rect">
-            <a:avLst/>
-          </a:prstGeom>
-          <a:noFill/>
-        </p:spPr>
-        <p:txBody>
-          <a:bodyPr wrap="none" rtlCol="0">
-            <a:spAutoFit/>
-          </a:bodyPr>
-          <a:lstStyle/>
-          <a:p>
-            <a:r>
-              <a:rPr lang="ja-JP" altLang="en-US" sz="4000" dirty="0" smtClean="0">
-                <a:latin typeface="メイリオ" panose="020B0604030504040204" pitchFamily="50" charset="-128"/>
-                <a:ea typeface="メイリオ" panose="020B0604030504040204" pitchFamily="50" charset="-128"/>
-              </a:rPr>
-              <a:t>○文書検査ツールで検査を行う</a:t>
+              <a:t>結果の違い</a:t>
             </a:r>
             <a:endParaRPr lang="en-US" altLang="ja-JP" sz="4000" dirty="0" smtClean="0">
               <a:latin typeface="メイリオ" panose="020B0604030504040204" pitchFamily="50" charset="-128"/>
               <a:ea typeface="メイリオ" panose="020B0604030504040204" pitchFamily="50" charset="-128"/>
             </a:endParaRPr>
           </a:p>
-        </p:txBody>
-      </p:sp>
-      <p:sp>
-        <p:nvSpPr>
-          <p:cNvPr id="76" name="テキスト ボックス 75"/>
-          <p:cNvSpPr txBox="1"/>
-          <p:nvPr/>
-        </p:nvSpPr>
-        <p:spPr>
-          <a:xfrm>
-            <a:off x="1288170" y="19064725"/>
-            <a:ext cx="8143841" cy="1323439"/>
-          </a:xfrm>
-          <a:prstGeom prst="rect">
-            <a:avLst/>
-          </a:prstGeom>
-          <a:noFill/>
-        </p:spPr>
-        <p:txBody>
-          <a:bodyPr wrap="square" rtlCol="0">
-            <a:spAutoFit/>
-          </a:bodyPr>
-          <a:lstStyle/>
-          <a:p>
+          <a:p>
+            <a:pPr marL="571500" indent="-571500">
+              <a:buFont typeface="Wingdings" panose="05000000000000000000" pitchFamily="2" charset="2"/>
+              <a:buChar char="l"/>
+            </a:pPr>
+            <a:r>
+              <a:rPr lang="ja-JP" altLang="en-US" sz="4000" dirty="0">
+                <a:latin typeface="メイリオ" panose="020B0604030504040204" pitchFamily="50" charset="-128"/>
+                <a:ea typeface="メイリオ" panose="020B0604030504040204" pitchFamily="50" charset="-128"/>
+              </a:rPr>
+              <a:t>機械学習を用いた文書検査の</a:t>
+            </a:r>
             <a:r>
               <a:rPr lang="ja-JP" altLang="en-US" sz="4000" dirty="0" smtClean="0">
                 <a:latin typeface="メイリオ" panose="020B0604030504040204" pitchFamily="50" charset="-128"/>
                 <a:ea typeface="メイリオ" panose="020B0604030504040204" pitchFamily="50" charset="-128"/>
               </a:rPr>
-              <a:t>○</a:t>
-            </a:r>
-            <a:r>
-              <a:rPr lang="en-US" altLang="ja-JP" sz="4000" dirty="0" err="1" smtClean="0">
-                <a:latin typeface="メイリオ" panose="020B0604030504040204" pitchFamily="50" charset="-128"/>
-                <a:ea typeface="メイリオ" panose="020B0604030504040204" pitchFamily="50" charset="-128"/>
-              </a:rPr>
-              <a:t>RedPen</a:t>
-            </a:r>
-            <a:r>
-              <a:rPr lang="ja-JP" altLang="en-US" sz="4000" dirty="0" smtClean="0">
-                <a:latin typeface="メイリオ" panose="020B0604030504040204" pitchFamily="50" charset="-128"/>
-                <a:ea typeface="メイリオ" panose="020B0604030504040204" pitchFamily="50" charset="-128"/>
-              </a:rPr>
-              <a:t>などの検査ツールを用い　</a:t>
-            </a:r>
-            <a:endParaRPr lang="en-US" altLang="ja-JP" sz="4000" dirty="0" smtClean="0">
-              <a:latin typeface="メイリオ" panose="020B0604030504040204" pitchFamily="50" charset="-128"/>
-              <a:ea typeface="メイリオ" panose="020B0604030504040204" pitchFamily="50" charset="-128"/>
-            </a:endParaRPr>
-          </a:p>
-          <a:p>
-            <a:r>
-              <a:rPr lang="ja-JP" altLang="en-US" sz="4000" dirty="0">
-                <a:latin typeface="メイリオ" panose="020B0604030504040204" pitchFamily="50" charset="-128"/>
-                <a:ea typeface="メイリオ" panose="020B0604030504040204" pitchFamily="50" charset="-128"/>
-              </a:rPr>
-              <a:t>　</a:t>
-            </a:r>
-            <a:r>
-              <a:rPr lang="ja-JP" altLang="en-US" sz="4000" dirty="0" smtClean="0">
-                <a:latin typeface="メイリオ" panose="020B0604030504040204" pitchFamily="50" charset="-128"/>
-                <a:ea typeface="メイリオ" panose="020B0604030504040204" pitchFamily="50" charset="-128"/>
-              </a:rPr>
-              <a:t>検査を行う</a:t>
-            </a:r>
-            <a:endParaRPr lang="en-US" altLang="ja-JP" sz="4000" dirty="0" smtClean="0">
-              <a:latin typeface="メイリオ" panose="020B0604030504040204" pitchFamily="50" charset="-128"/>
-              <a:ea typeface="メイリオ" panose="020B0604030504040204" pitchFamily="50" charset="-128"/>
-            </a:endParaRPr>
-          </a:p>
-        </p:txBody>
-      </p:sp>
-      <p:sp>
-        <p:nvSpPr>
-          <p:cNvPr id="77" name="テキスト ボックス 76"/>
-          <p:cNvSpPr txBox="1"/>
-          <p:nvPr/>
-        </p:nvSpPr>
-        <p:spPr>
-          <a:xfrm>
-            <a:off x="1367676" y="20554478"/>
-            <a:ext cx="8455329" cy="707886"/>
-          </a:xfrm>
-          <a:prstGeom prst="rect">
-            <a:avLst/>
-          </a:prstGeom>
-          <a:noFill/>
-        </p:spPr>
-        <p:txBody>
-          <a:bodyPr wrap="square" rtlCol="0">
-            <a:spAutoFit/>
-          </a:bodyPr>
-          <a:lstStyle/>
-          <a:p>
-            <a:r>
-              <a:rPr lang="ja-JP" altLang="en-US" sz="4000" dirty="0" smtClean="0">
-                <a:latin typeface="メイリオ" panose="020B0604030504040204" pitchFamily="50" charset="-128"/>
-                <a:ea typeface="メイリオ" panose="020B0604030504040204" pitchFamily="50" charset="-128"/>
-              </a:rPr>
-              <a:t>○出力結果の違いを検証，考察する</a:t>
-            </a:r>
-            <a:endParaRPr lang="en-US" altLang="ja-JP" sz="4000" dirty="0" smtClean="0">
-              <a:latin typeface="メイリオ" panose="020B0604030504040204" pitchFamily="50" charset="-128"/>
-              <a:ea typeface="メイリオ" panose="020B0604030504040204" pitchFamily="50" charset="-128"/>
-            </a:endParaRPr>
-          </a:p>
-        </p:txBody>
-      </p:sp>
-      <p:sp>
-        <p:nvSpPr>
-          <p:cNvPr id="82" name="テキスト ボックス 81"/>
-          <p:cNvSpPr txBox="1"/>
-          <p:nvPr/>
-        </p:nvSpPr>
-        <p:spPr>
-          <a:xfrm>
-            <a:off x="11659571" y="18123667"/>
-            <a:ext cx="8970933" cy="1323439"/>
-          </a:xfrm>
-          <a:prstGeom prst="rect">
-            <a:avLst/>
-          </a:prstGeom>
-          <a:noFill/>
-        </p:spPr>
-        <p:txBody>
-          <a:bodyPr wrap="square" rtlCol="0">
-            <a:spAutoFit/>
-          </a:bodyPr>
-          <a:lstStyle/>
-          <a:p>
-            <a:r>
-              <a:rPr lang="ja-JP" altLang="en-US" sz="4000" dirty="0" smtClean="0">
-                <a:latin typeface="メイリオ" panose="020B0604030504040204" pitchFamily="50" charset="-128"/>
-                <a:ea typeface="メイリオ" panose="020B0604030504040204" pitchFamily="50" charset="-128"/>
-              </a:rPr>
-              <a:t>○</a:t>
-            </a:r>
-            <a:r>
-              <a:rPr lang="en-US" altLang="ja-JP" sz="4000" dirty="0" err="1">
-                <a:latin typeface="メイリオ" panose="020B0604030504040204" pitchFamily="50" charset="-128"/>
-                <a:ea typeface="メイリオ" panose="020B0604030504040204" pitchFamily="50" charset="-128"/>
-              </a:rPr>
-              <a:t>RedPen</a:t>
-            </a:r>
-            <a:r>
-              <a:rPr lang="ja-JP" altLang="en-US" sz="4000" dirty="0">
-                <a:latin typeface="メイリオ" panose="020B0604030504040204" pitchFamily="50" charset="-128"/>
-                <a:ea typeface="メイリオ" panose="020B0604030504040204" pitchFamily="50" charset="-128"/>
-              </a:rPr>
-              <a:t>などのツールとの出力</a:t>
-            </a:r>
-            <a:r>
-              <a:rPr lang="ja-JP" altLang="en-US" sz="4000" dirty="0" smtClean="0">
-                <a:latin typeface="メイリオ" panose="020B0604030504040204" pitchFamily="50" charset="-128"/>
-                <a:ea typeface="メイリオ" panose="020B0604030504040204" pitchFamily="50" charset="-128"/>
-              </a:rPr>
-              <a:t>結果</a:t>
-            </a:r>
-            <a:endParaRPr lang="en-US" altLang="ja-JP" sz="4000" dirty="0" smtClean="0">
-              <a:latin typeface="メイリオ" panose="020B0604030504040204" pitchFamily="50" charset="-128"/>
-              <a:ea typeface="メイリオ" panose="020B0604030504040204" pitchFamily="50" charset="-128"/>
-            </a:endParaRPr>
-          </a:p>
-          <a:p>
-            <a:r>
-              <a:rPr lang="ja-JP" altLang="en-US" sz="4000" dirty="0">
-                <a:latin typeface="メイリオ" panose="020B0604030504040204" pitchFamily="50" charset="-128"/>
-                <a:ea typeface="メイリオ" panose="020B0604030504040204" pitchFamily="50" charset="-128"/>
-              </a:rPr>
-              <a:t>　</a:t>
-            </a:r>
-            <a:r>
-              <a:rPr lang="ja-JP" altLang="en-US" sz="4000" dirty="0" smtClean="0">
-                <a:latin typeface="メイリオ" panose="020B0604030504040204" pitchFamily="50" charset="-128"/>
-                <a:ea typeface="メイリオ" panose="020B0604030504040204" pitchFamily="50" charset="-128"/>
-              </a:rPr>
-              <a:t>の違い</a:t>
-            </a:r>
-            <a:endParaRPr lang="en-US" altLang="ja-JP" sz="4000" dirty="0">
-              <a:latin typeface="メイリオ" panose="020B0604030504040204" pitchFamily="50" charset="-128"/>
-              <a:ea typeface="メイリオ" panose="020B0604030504040204" pitchFamily="50" charset="-128"/>
-            </a:endParaRPr>
-          </a:p>
-        </p:txBody>
-      </p:sp>
-      <p:sp>
-        <p:nvSpPr>
-          <p:cNvPr id="83" name="テキスト ボックス 82"/>
-          <p:cNvSpPr txBox="1"/>
-          <p:nvPr/>
-        </p:nvSpPr>
-        <p:spPr>
-          <a:xfrm>
-            <a:off x="11665847" y="19845501"/>
-            <a:ext cx="8964657" cy="707886"/>
-          </a:xfrm>
-          <a:prstGeom prst="rect">
-            <a:avLst/>
-          </a:prstGeom>
-          <a:noFill/>
-        </p:spPr>
-        <p:txBody>
-          <a:bodyPr wrap="square" rtlCol="0">
-            <a:spAutoFit/>
-          </a:bodyPr>
-          <a:lstStyle/>
-          <a:p>
-            <a:r>
-              <a:rPr lang="ja-JP" altLang="en-US" sz="4000" dirty="0" smtClean="0">
-                <a:latin typeface="メイリオ" panose="020B0604030504040204" pitchFamily="50" charset="-128"/>
-                <a:ea typeface="メイリオ" panose="020B0604030504040204" pitchFamily="50" charset="-128"/>
-              </a:rPr>
-              <a:t>○</a:t>
-            </a:r>
-            <a:r>
-              <a:rPr lang="ja-JP" altLang="en-US" sz="4000" dirty="0">
-                <a:latin typeface="メイリオ" panose="020B0604030504040204" pitchFamily="50" charset="-128"/>
-                <a:ea typeface="メイリオ" panose="020B0604030504040204" pitchFamily="50" charset="-128"/>
-              </a:rPr>
-              <a:t>機械学習を用いた文書検査の改善点</a:t>
+              <a:t>改善点</a:t>
             </a:r>
             <a:endParaRPr lang="en-US" altLang="ja-JP" sz="4000" dirty="0">
               <a:latin typeface="メイリオ" panose="020B0604030504040204" pitchFamily="50" charset="-128"/>

--- a/卒業論文/2016/須山武弘/中間審査_ポスター.pptx
+++ b/卒業論文/2016/須山武弘/中間審査_ポスター.pptx
@@ -113,7 +113,7 @@
   <p:extLst>
     <p:ext uri="{EFAFB233-063F-42B5-8137-9DF3F51BA10A}">
       <p15:sldGuideLst xmlns:p15="http://schemas.microsoft.com/office/powerpoint/2012/main">
-        <p15:guide id="2" pos="6781" userDrawn="1">
+        <p15:guide id="2" pos="6736" userDrawn="1">
           <p15:clr>
             <a:srgbClr val="A4A3A4"/>
           </p15:clr>
@@ -123,12 +123,7 @@
             <a:srgbClr val="A4A3A4"/>
           </p15:clr>
         </p15:guide>
-        <p15:guide id="4" pos="386" userDrawn="1">
-          <p15:clr>
-            <a:srgbClr val="A4A3A4"/>
-          </p15:clr>
-        </p15:guide>
-        <p15:guide id="5" orient="horz" pos="10671" userDrawn="1">
+        <p15:guide id="4" orient="horz" pos="5681" userDrawn="1">
           <p15:clr>
             <a:srgbClr val="A4A3A4"/>
           </p15:clr>
@@ -221,7 +216,7 @@
           <a:p>
             <a:fld id="{1355B614-8C80-42CD-A0C7-A8AC0A708725}" type="datetimeFigureOut">
               <a:rPr kumimoji="1" lang="ja-JP" altLang="en-US" smtClean="0"/>
-              <a:t>2017/10/10</a:t>
+              <a:t>2017/10/11</a:t>
             </a:fld>
             <a:endParaRPr kumimoji="1" lang="ja-JP" altLang="en-US"/>
           </a:p>
@@ -736,7 +731,7 @@
           <a:p>
             <a:fld id="{CD18CB5A-6947-405F-A94A-52FF85729738}" type="datetimeFigureOut">
               <a:rPr kumimoji="1" lang="ja-JP" altLang="en-US" smtClean="0"/>
-              <a:t>2017/10/10</a:t>
+              <a:t>2017/10/11</a:t>
             </a:fld>
             <a:endParaRPr kumimoji="1" lang="ja-JP" altLang="en-US"/>
           </a:p>
@@ -945,7 +940,7 @@
           <a:p>
             <a:fld id="{CD18CB5A-6947-405F-A94A-52FF85729738}" type="datetimeFigureOut">
               <a:rPr kumimoji="1" lang="ja-JP" altLang="en-US" smtClean="0"/>
-              <a:t>2017/10/10</a:t>
+              <a:t>2017/10/11</a:t>
             </a:fld>
             <a:endParaRPr kumimoji="1" lang="ja-JP" altLang="en-US"/>
           </a:p>
@@ -1157,7 +1152,7 @@
           <a:p>
             <a:fld id="{CD18CB5A-6947-405F-A94A-52FF85729738}" type="datetimeFigureOut">
               <a:rPr kumimoji="1" lang="ja-JP" altLang="en-US" smtClean="0"/>
-              <a:t>2017/10/10</a:t>
+              <a:t>2017/10/11</a:t>
             </a:fld>
             <a:endParaRPr kumimoji="1" lang="ja-JP" altLang="en-US"/>
           </a:p>
@@ -1359,7 +1354,7 @@
           <a:p>
             <a:fld id="{CD18CB5A-6947-405F-A94A-52FF85729738}" type="datetimeFigureOut">
               <a:rPr kumimoji="1" lang="ja-JP" altLang="en-US" smtClean="0"/>
-              <a:t>2017/10/10</a:t>
+              <a:t>2017/10/11</a:t>
             </a:fld>
             <a:endParaRPr kumimoji="1" lang="ja-JP" altLang="en-US"/>
           </a:p>
@@ -1612,7 +1607,7 @@
           <a:p>
             <a:fld id="{CD18CB5A-6947-405F-A94A-52FF85729738}" type="datetimeFigureOut">
               <a:rPr kumimoji="1" lang="ja-JP" altLang="en-US" smtClean="0"/>
-              <a:t>2017/10/10</a:t>
+              <a:t>2017/10/11</a:t>
             </a:fld>
             <a:endParaRPr kumimoji="1" lang="ja-JP" altLang="en-US"/>
           </a:p>
@@ -1915,7 +1910,7 @@
           <a:p>
             <a:fld id="{CD18CB5A-6947-405F-A94A-52FF85729738}" type="datetimeFigureOut">
               <a:rPr kumimoji="1" lang="ja-JP" altLang="en-US" smtClean="0"/>
-              <a:t>2017/10/10</a:t>
+              <a:t>2017/10/11</a:t>
             </a:fld>
             <a:endParaRPr kumimoji="1" lang="ja-JP" altLang="en-US"/>
           </a:p>
@@ -2346,7 +2341,7 @@
           <a:p>
             <a:fld id="{CD18CB5A-6947-405F-A94A-52FF85729738}" type="datetimeFigureOut">
               <a:rPr kumimoji="1" lang="ja-JP" altLang="en-US" smtClean="0"/>
-              <a:t>2017/10/10</a:t>
+              <a:t>2017/10/11</a:t>
             </a:fld>
             <a:endParaRPr kumimoji="1" lang="ja-JP" altLang="en-US"/>
           </a:p>
@@ -2464,7 +2459,7 @@
           <a:p>
             <a:fld id="{CD18CB5A-6947-405F-A94A-52FF85729738}" type="datetimeFigureOut">
               <a:rPr kumimoji="1" lang="ja-JP" altLang="en-US" smtClean="0"/>
-              <a:t>2017/10/10</a:t>
+              <a:t>2017/10/11</a:t>
             </a:fld>
             <a:endParaRPr kumimoji="1" lang="ja-JP" altLang="en-US"/>
           </a:p>
@@ -2566,7 +2561,7 @@
           <a:p>
             <a:fld id="{CD18CB5A-6947-405F-A94A-52FF85729738}" type="datetimeFigureOut">
               <a:rPr kumimoji="1" lang="ja-JP" altLang="en-US" smtClean="0"/>
-              <a:t>2017/10/10</a:t>
+              <a:t>2017/10/11</a:t>
             </a:fld>
             <a:endParaRPr kumimoji="1" lang="ja-JP" altLang="en-US"/>
           </a:p>
@@ -2882,7 +2877,7 @@
           <a:p>
             <a:fld id="{CD18CB5A-6947-405F-A94A-52FF85729738}" type="datetimeFigureOut">
               <a:rPr kumimoji="1" lang="ja-JP" altLang="en-US" smtClean="0"/>
-              <a:t>2017/10/10</a:t>
+              <a:t>2017/10/11</a:t>
             </a:fld>
             <a:endParaRPr kumimoji="1" lang="ja-JP" altLang="en-US"/>
           </a:p>
@@ -3135,7 +3130,7 @@
           <a:p>
             <a:fld id="{CD18CB5A-6947-405F-A94A-52FF85729738}" type="datetimeFigureOut">
               <a:rPr kumimoji="1" lang="ja-JP" altLang="en-US" smtClean="0"/>
-              <a:t>2017/10/10</a:t>
+              <a:t>2017/10/11</a:t>
             </a:fld>
             <a:endParaRPr kumimoji="1" lang="ja-JP" altLang="en-US"/>
           </a:p>
@@ -3380,7 +3375,7 @@
           <a:p>
             <a:fld id="{CD18CB5A-6947-405F-A94A-52FF85729738}" type="datetimeFigureOut">
               <a:rPr kumimoji="1" lang="ja-JP" altLang="en-US" smtClean="0"/>
-              <a:t>2017/10/10</a:t>
+              <a:t>2017/10/11</a:t>
             </a:fld>
             <a:endParaRPr kumimoji="1" lang="ja-JP" altLang="en-US"/>
           </a:p>
@@ -3792,6 +3787,36 @@
           <a:chExt cx="0" cy="0"/>
         </a:xfrm>
       </p:grpSpPr>
+      <p:pic>
+        <p:nvPicPr>
+          <p:cNvPr id="5" name="図 4"/>
+          <p:cNvPicPr>
+            <a:picLocks noChangeAspect="1"/>
+          </p:cNvPicPr>
+          <p:nvPr/>
+        </p:nvPicPr>
+        <p:blipFill>
+          <a:blip r:embed="rId3" cstate="print">
+            <a:extLst>
+              <a:ext uri="{28A0092B-C50C-407E-A947-70E740481C1C}">
+                <a14:useLocalDpi xmlns:a14="http://schemas.microsoft.com/office/drawing/2010/main" val="0"/>
+              </a:ext>
+            </a:extLst>
+          </a:blip>
+          <a:stretch>
+            <a:fillRect/>
+          </a:stretch>
+        </p:blipFill>
+        <p:spPr>
+          <a:xfrm>
+            <a:off x="783107" y="7961227"/>
+            <a:ext cx="3909498" cy="1634144"/>
+          </a:xfrm>
+          <a:prstGeom prst="rect">
+            <a:avLst/>
+          </a:prstGeom>
+        </p:spPr>
+      </p:pic>
       <p:sp>
         <p:nvSpPr>
           <p:cNvPr id="81" name="角丸四角形 80"/>
@@ -3800,8 +3825,8 @@
         </p:nvSpPr>
         <p:spPr>
           <a:xfrm>
-            <a:off x="830045" y="22928427"/>
-            <a:ext cx="19808218" cy="3228784"/>
+            <a:off x="830045" y="24070020"/>
+            <a:ext cx="19808218" cy="2736304"/>
           </a:xfrm>
           <a:prstGeom prst="roundRect">
             <a:avLst>
@@ -3848,8 +3873,8 @@
         </p:nvSpPr>
         <p:spPr>
           <a:xfrm>
-            <a:off x="11300105" y="15652914"/>
-            <a:ext cx="9338158" cy="6399841"/>
+            <a:off x="11272285" y="17987833"/>
+            <a:ext cx="9338158" cy="5433074"/>
           </a:xfrm>
           <a:prstGeom prst="roundRect">
             <a:avLst>
@@ -3896,8 +3921,8 @@
         </p:nvSpPr>
         <p:spPr>
           <a:xfrm>
-            <a:off x="817572" y="15632916"/>
-            <a:ext cx="9299764" cy="6419839"/>
+            <a:off x="789752" y="17967835"/>
+            <a:ext cx="9299764" cy="5450051"/>
           </a:xfrm>
           <a:prstGeom prst="roundRect">
             <a:avLst>
@@ -3944,8 +3969,8 @@
         </p:nvSpPr>
         <p:spPr>
           <a:xfrm>
-            <a:off x="830045" y="26937196"/>
-            <a:ext cx="20060505" cy="2748407"/>
+            <a:off x="830045" y="27551822"/>
+            <a:ext cx="20060505" cy="2133781"/>
           </a:xfrm>
           <a:prstGeom prst="roundRect">
             <a:avLst/>
@@ -3990,8 +4015,8 @@
         </p:nvSpPr>
         <p:spPr>
           <a:xfrm>
-            <a:off x="789752" y="3435635"/>
-            <a:ext cx="19848511" cy="7785961"/>
+            <a:off x="789752" y="3435634"/>
+            <a:ext cx="19848511" cy="10899532"/>
           </a:xfrm>
           <a:prstGeom prst="roundRect">
             <a:avLst>
@@ -4177,7 +4202,7 @@
         </p:nvSpPr>
         <p:spPr>
           <a:xfrm>
-            <a:off x="612280" y="2982567"/>
+            <a:off x="612280" y="2898627"/>
             <a:ext cx="4356447" cy="996180"/>
           </a:xfrm>
           <a:prstGeom prst="homePlate">
@@ -4241,10 +4266,10 @@
         </p:nvGrpSpPr>
         <p:grpSpPr>
           <a:xfrm>
-            <a:off x="2263244" y="8789776"/>
-            <a:ext cx="17044839" cy="2209018"/>
-            <a:chOff x="4397676" y="12207687"/>
-            <a:chExt cx="12560420" cy="2249303"/>
+            <a:off x="2185239" y="12354906"/>
+            <a:ext cx="17044839" cy="2209017"/>
+            <a:chOff x="4397676" y="12207688"/>
+            <a:chExt cx="12560420" cy="2249302"/>
           </a:xfrm>
         </p:grpSpPr>
         <p:sp>
@@ -4255,8 +4280,8 @@
           </p:nvSpPr>
           <p:spPr>
             <a:xfrm>
-              <a:off x="4397676" y="12207687"/>
-              <a:ext cx="12560420" cy="2010135"/>
+              <a:off x="4397676" y="12207688"/>
+              <a:ext cx="12560420" cy="1800670"/>
             </a:xfrm>
             <a:prstGeom prst="ellipse">
               <a:avLst/>
@@ -4367,8 +4392,8 @@
         </p:nvSpPr>
         <p:spPr>
           <a:xfrm>
-            <a:off x="640099" y="15139987"/>
-            <a:ext cx="3111145" cy="996180"/>
+            <a:off x="612279" y="17474905"/>
+            <a:ext cx="3111145" cy="1009153"/>
           </a:xfrm>
           <a:prstGeom prst="homePlate">
             <a:avLst/>
@@ -4431,8 +4456,8 @@
         </p:nvSpPr>
         <p:spPr>
           <a:xfrm>
-            <a:off x="612775" y="22419005"/>
-            <a:ext cx="4536507" cy="996180"/>
+            <a:off x="612775" y="23563882"/>
+            <a:ext cx="4536507" cy="1009153"/>
           </a:xfrm>
           <a:prstGeom prst="homePlate">
             <a:avLst/>
@@ -4495,7 +4520,7 @@
         </p:nvSpPr>
         <p:spPr>
           <a:xfrm>
-            <a:off x="612775" y="26439106"/>
+            <a:off x="612279" y="27033239"/>
             <a:ext cx="4896545" cy="996180"/>
           </a:xfrm>
           <a:prstGeom prst="homePlate">
@@ -4610,7 +4635,7 @@
         </p:nvSpPr>
         <p:spPr>
           <a:xfrm>
-            <a:off x="1501683" y="27736168"/>
+            <a:off x="1404368" y="28218148"/>
             <a:ext cx="13521650" cy="1323439"/>
           </a:xfrm>
           <a:prstGeom prst="rect">
@@ -4619,7 +4644,7 @@
           <a:noFill/>
         </p:spPr>
         <p:txBody>
-          <a:bodyPr wrap="none" rtlCol="0">
+          <a:bodyPr wrap="square" rtlCol="0">
             <a:spAutoFit/>
           </a:bodyPr>
           <a:lstStyle/>
@@ -4629,7 +4654,14 @@
                 <a:latin typeface="メイリオ" panose="020B0604030504040204" pitchFamily="50" charset="-128"/>
                 <a:ea typeface="メイリオ" panose="020B0604030504040204" pitchFamily="50" charset="-128"/>
               </a:rPr>
-              <a:t>機械学習を用いた文書検査ツールの実装をする</a:t>
+              <a:t>機械学習を用いた文書検査ツールの実装を</a:t>
+            </a:r>
+            <a:r>
+              <a:rPr kumimoji="1" lang="ja-JP" altLang="en-US" sz="4000" dirty="0" smtClean="0">
+                <a:latin typeface="メイリオ" panose="020B0604030504040204" pitchFamily="50" charset="-128"/>
+                <a:ea typeface="メイリオ" panose="020B0604030504040204" pitchFamily="50" charset="-128"/>
+              </a:rPr>
+              <a:t>する．</a:t>
             </a:r>
             <a:endParaRPr kumimoji="1" lang="en-US" altLang="ja-JP" sz="4000" dirty="0" smtClean="0">
               <a:latin typeface="メイリオ" panose="020B0604030504040204" pitchFamily="50" charset="-128"/>
@@ -4642,7 +4674,14 @@
                 <a:latin typeface="メイリオ" panose="020B0604030504040204" pitchFamily="50" charset="-128"/>
                 <a:ea typeface="メイリオ" panose="020B0604030504040204" pitchFamily="50" charset="-128"/>
               </a:rPr>
-              <a:t>研究室内の文書を用いて実際に検査結果を比較，考察する</a:t>
+              <a:t>研究室内の文書を用いて実際に検査結果を比較，考察</a:t>
+            </a:r>
+            <a:r>
+              <a:rPr lang="ja-JP" altLang="en-US" sz="4000" dirty="0" smtClean="0">
+                <a:latin typeface="メイリオ" panose="020B0604030504040204" pitchFamily="50" charset="-128"/>
+                <a:ea typeface="メイリオ" panose="020B0604030504040204" pitchFamily="50" charset="-128"/>
+              </a:rPr>
+              <a:t>する．</a:t>
             </a:r>
             <a:endParaRPr lang="en-US" altLang="ja-JP" sz="4000" dirty="0" smtClean="0">
               <a:latin typeface="メイリオ" panose="020B0604030504040204" pitchFamily="50" charset="-128"/>
@@ -4967,8 +5006,8 @@
         </p:nvSpPr>
         <p:spPr>
           <a:xfrm>
-            <a:off x="1243260" y="23892399"/>
-            <a:ext cx="18309628" cy="1938992"/>
+            <a:off x="1455763" y="24650267"/>
+            <a:ext cx="18886709" cy="1938992"/>
           </a:xfrm>
           <a:prstGeom prst="rect">
             <a:avLst/>
@@ -4981,19 +5020,30 @@
           </a:bodyPr>
           <a:lstStyle/>
           <a:p>
-            <a:r>
-              <a:rPr lang="ja-JP" altLang="en-US" sz="4000" dirty="0">
-                <a:latin typeface="メイリオ" panose="020B0604030504040204" pitchFamily="50" charset="-128"/>
-                <a:ea typeface="メイリオ" panose="020B0604030504040204" pitchFamily="50" charset="-128"/>
-              </a:rPr>
-              <a:t>○</a:t>
-            </a:r>
+            <a:pPr marL="571500" indent="-571500">
+              <a:buFont typeface="Wingdings" panose="05000000000000000000" pitchFamily="2" charset="2"/>
+              <a:buChar char="l"/>
+            </a:pPr>
             <a:r>
               <a:rPr lang="ja-JP" altLang="en-US" sz="4000" dirty="0" smtClean="0">
                 <a:latin typeface="メイリオ" panose="020B0604030504040204" pitchFamily="50" charset="-128"/>
                 <a:ea typeface="メイリオ" panose="020B0604030504040204" pitchFamily="50" charset="-128"/>
               </a:rPr>
-              <a:t>仮想環境を構築した</a:t>
+              <a:t>仮想</a:t>
+            </a:r>
+            <a:r>
+              <a:rPr lang="ja-JP" altLang="en-US" sz="4000" dirty="0" smtClean="0">
+                <a:latin typeface="メイリオ" panose="020B0604030504040204" pitchFamily="50" charset="-128"/>
+                <a:ea typeface="メイリオ" panose="020B0604030504040204" pitchFamily="50" charset="-128"/>
+              </a:rPr>
+              <a:t>環境を構築</a:t>
+            </a:r>
+            <a:r>
+              <a:rPr lang="ja-JP" altLang="en-US" sz="4000" dirty="0" smtClean="0">
+                <a:latin typeface="メイリオ" panose="020B0604030504040204" pitchFamily="50" charset="-128"/>
+                <a:ea typeface="メイリオ" panose="020B0604030504040204" pitchFamily="50" charset="-128"/>
+              </a:rPr>
+              <a:t>した．</a:t>
             </a:r>
             <a:endParaRPr lang="en-US" altLang="ja-JP" sz="4000" dirty="0" smtClean="0">
               <a:latin typeface="メイリオ" panose="020B0604030504040204" pitchFamily="50" charset="-128"/>
@@ -5001,103 +5051,114 @@
             </a:endParaRPr>
           </a:p>
           <a:p>
+            <a:pPr marL="571500" indent="-571500">
+              <a:buFont typeface="Wingdings" panose="05000000000000000000" pitchFamily="2" charset="2"/>
+              <a:buChar char="l"/>
+            </a:pPr>
+            <a:r>
+              <a:rPr lang="en-US" altLang="ja-JP" sz="4000" dirty="0" smtClean="0">
+                <a:latin typeface="メイリオ" panose="020B0604030504040204" pitchFamily="50" charset="-128"/>
+                <a:ea typeface="メイリオ" panose="020B0604030504040204" pitchFamily="50" charset="-128"/>
+              </a:rPr>
+              <a:t>IBM</a:t>
+            </a:r>
             <a:r>
               <a:rPr lang="ja-JP" altLang="en-US" sz="4000" dirty="0" smtClean="0">
                 <a:latin typeface="メイリオ" panose="020B0604030504040204" pitchFamily="50" charset="-128"/>
                 <a:ea typeface="メイリオ" panose="020B0604030504040204" pitchFamily="50" charset="-128"/>
               </a:rPr>
-              <a:t>○</a:t>
+              <a:t> </a:t>
+            </a:r>
+            <a:r>
+              <a:rPr lang="en-US" altLang="ja-JP" sz="4000" dirty="0" err="1" smtClean="0">
+                <a:latin typeface="メイリオ" panose="020B0604030504040204" pitchFamily="50" charset="-128"/>
+                <a:ea typeface="メイリオ" panose="020B0604030504040204" pitchFamily="50" charset="-128"/>
+              </a:rPr>
+              <a:t>WatsonAPI</a:t>
+            </a:r>
+            <a:r>
+              <a:rPr lang="ja-JP" altLang="en-US" sz="4000" dirty="0" smtClean="0">
+                <a:latin typeface="メイリオ" panose="020B0604030504040204" pitchFamily="50" charset="-128"/>
+                <a:ea typeface="メイリオ" panose="020B0604030504040204" pitchFamily="50" charset="-128"/>
+              </a:rPr>
+              <a:t>の</a:t>
             </a:r>
             <a:r>
               <a:rPr lang="en-US" altLang="ja-JP" sz="4000" dirty="0" smtClean="0">
                 <a:latin typeface="メイリオ" panose="020B0604030504040204" pitchFamily="50" charset="-128"/>
                 <a:ea typeface="メイリオ" panose="020B0604030504040204" pitchFamily="50" charset="-128"/>
               </a:rPr>
-              <a:t>IBM</a:t>
+              <a:t>1</a:t>
+            </a:r>
+            <a:r>
+              <a:rPr lang="ja-JP" altLang="en-US" sz="4000" dirty="0" err="1" smtClean="0">
+                <a:latin typeface="メイリオ" panose="020B0604030504040204" pitchFamily="50" charset="-128"/>
+                <a:ea typeface="メイリオ" panose="020B0604030504040204" pitchFamily="50" charset="-128"/>
+              </a:rPr>
+              <a:t>つで</a:t>
             </a:r>
             <a:r>
               <a:rPr lang="ja-JP" altLang="en-US" sz="4000" dirty="0" smtClean="0">
                 <a:latin typeface="メイリオ" panose="020B0604030504040204" pitchFamily="50" charset="-128"/>
                 <a:ea typeface="メイリオ" panose="020B0604030504040204" pitchFamily="50" charset="-128"/>
               </a:rPr>
+              <a:t>ある</a:t>
+            </a:r>
+            <a:r>
+              <a:rPr lang="en-US" altLang="ja-JP" sz="4000" dirty="0" smtClean="0">
+                <a:latin typeface="メイリオ" panose="020B0604030504040204" pitchFamily="50" charset="-128"/>
+                <a:ea typeface="メイリオ" panose="020B0604030504040204" pitchFamily="50" charset="-128"/>
+              </a:rPr>
+              <a:t>Natural</a:t>
+            </a:r>
+            <a:r>
+              <a:rPr lang="ja-JP" altLang="en-US" sz="4000" dirty="0" smtClean="0">
+                <a:latin typeface="メイリオ" panose="020B0604030504040204" pitchFamily="50" charset="-128"/>
+                <a:ea typeface="メイリオ" panose="020B0604030504040204" pitchFamily="50" charset="-128"/>
+              </a:rPr>
               <a:t> </a:t>
             </a:r>
             <a:r>
-              <a:rPr lang="en-US" altLang="ja-JP" sz="4000" dirty="0" err="1" smtClean="0">
-                <a:latin typeface="メイリオ" panose="020B0604030504040204" pitchFamily="50" charset="-128"/>
-                <a:ea typeface="メイリオ" panose="020B0604030504040204" pitchFamily="50" charset="-128"/>
-              </a:rPr>
-              <a:t>WatsonAPI</a:t>
+              <a:rPr lang="en-US" altLang="ja-JP" sz="4000" dirty="0" smtClean="0">
+                <a:latin typeface="メイリオ" panose="020B0604030504040204" pitchFamily="50" charset="-128"/>
+                <a:ea typeface="メイリオ" panose="020B0604030504040204" pitchFamily="50" charset="-128"/>
+              </a:rPr>
+              <a:t>Language</a:t>
             </a:r>
             <a:r>
               <a:rPr lang="ja-JP" altLang="en-US" sz="4000" dirty="0" smtClean="0">
                 <a:latin typeface="メイリオ" panose="020B0604030504040204" pitchFamily="50" charset="-128"/>
                 <a:ea typeface="メイリオ" panose="020B0604030504040204" pitchFamily="50" charset="-128"/>
               </a:rPr>
-              <a:t>の</a:t>
-            </a:r>
-            <a:r>
-              <a:rPr lang="en-US" altLang="ja-JP" sz="4000" dirty="0" smtClean="0">
-                <a:latin typeface="メイリオ" panose="020B0604030504040204" pitchFamily="50" charset="-128"/>
-                <a:ea typeface="メイリオ" panose="020B0604030504040204" pitchFamily="50" charset="-128"/>
-              </a:rPr>
-              <a:t>1</a:t>
-            </a:r>
-            <a:r>
-              <a:rPr lang="ja-JP" altLang="en-US" sz="4000" dirty="0" err="1" smtClean="0">
-                <a:latin typeface="メイリオ" panose="020B0604030504040204" pitchFamily="50" charset="-128"/>
-                <a:ea typeface="メイリオ" panose="020B0604030504040204" pitchFamily="50" charset="-128"/>
-              </a:rPr>
-              <a:t>つで</a:t>
+              <a:t> </a:t>
+            </a:r>
+            <a:r>
+              <a:rPr lang="en-US" altLang="ja-JP" sz="4000" dirty="0">
+                <a:latin typeface="メイリオ" panose="020B0604030504040204" pitchFamily="50" charset="-128"/>
+                <a:ea typeface="メイリオ" panose="020B0604030504040204" pitchFamily="50" charset="-128"/>
+              </a:rPr>
+              <a:t>Classifier (NLC)</a:t>
             </a:r>
             <a:r>
               <a:rPr lang="ja-JP" altLang="en-US" sz="4000" dirty="0" smtClean="0">
                 <a:latin typeface="メイリオ" panose="020B0604030504040204" pitchFamily="50" charset="-128"/>
                 <a:ea typeface="メイリオ" panose="020B0604030504040204" pitchFamily="50" charset="-128"/>
               </a:rPr>
-              <a:t>ある</a:t>
-            </a:r>
-            <a:r>
-              <a:rPr lang="en-US" altLang="ja-JP" sz="4000" dirty="0" smtClean="0">
-                <a:latin typeface="メイリオ" panose="020B0604030504040204" pitchFamily="50" charset="-128"/>
-                <a:ea typeface="メイリオ" panose="020B0604030504040204" pitchFamily="50" charset="-128"/>
-              </a:rPr>
-              <a:t>Natural</a:t>
+              <a:t>を</a:t>
             </a:r>
             <a:r>
               <a:rPr lang="ja-JP" altLang="en-US" sz="4000" dirty="0" smtClean="0">
                 <a:latin typeface="メイリオ" panose="020B0604030504040204" pitchFamily="50" charset="-128"/>
                 <a:ea typeface="メイリオ" panose="020B0604030504040204" pitchFamily="50" charset="-128"/>
               </a:rPr>
-              <a:t> </a:t>
-            </a:r>
-            <a:r>
-              <a:rPr lang="en-US" altLang="ja-JP" sz="4000" dirty="0" smtClean="0">
-                <a:latin typeface="メイリオ" panose="020B0604030504040204" pitchFamily="50" charset="-128"/>
-                <a:ea typeface="メイリオ" panose="020B0604030504040204" pitchFamily="50" charset="-128"/>
-              </a:rPr>
-              <a:t>Language</a:t>
+              <a:t>利用</a:t>
             </a:r>
             <a:r>
               <a:rPr lang="ja-JP" altLang="en-US" sz="4000" dirty="0" smtClean="0">
                 <a:latin typeface="メイリオ" panose="020B0604030504040204" pitchFamily="50" charset="-128"/>
                 <a:ea typeface="メイリオ" panose="020B0604030504040204" pitchFamily="50" charset="-128"/>
               </a:rPr>
-              <a:t> </a:t>
-            </a:r>
-            <a:r>
-              <a:rPr lang="en-US" altLang="ja-JP" sz="4000" dirty="0" smtClean="0">
-                <a:latin typeface="メイリオ" panose="020B0604030504040204" pitchFamily="50" charset="-128"/>
-                <a:ea typeface="メイリオ" panose="020B0604030504040204" pitchFamily="50" charset="-128"/>
-              </a:rPr>
-              <a:t>Classifier(NLC)</a:t>
-            </a:r>
-            <a:r>
-              <a:rPr lang="ja-JP" altLang="en-US" sz="4000" dirty="0" smtClean="0">
-                <a:latin typeface="メイリオ" panose="020B0604030504040204" pitchFamily="50" charset="-128"/>
-                <a:ea typeface="メイリオ" panose="020B0604030504040204" pitchFamily="50" charset="-128"/>
-              </a:rPr>
-              <a:t>を利用した</a:t>
+              <a:t>した．</a:t>
             </a:r>
             <a:endParaRPr lang="en-US" altLang="ja-JP" sz="4000" dirty="0" smtClean="0">
               <a:latin typeface="メイリオ" panose="020B0604030504040204" pitchFamily="50" charset="-128"/>
@@ -5105,12 +5166,23 @@
             </a:endParaRPr>
           </a:p>
           <a:p>
+            <a:pPr marL="571500" indent="-571500">
+              <a:buFont typeface="Wingdings" panose="05000000000000000000" pitchFamily="2" charset="2"/>
+              <a:buChar char="l"/>
+            </a:pPr>
             <a:r>
               <a:rPr lang="ja-JP" altLang="en-US" sz="4000" dirty="0" smtClean="0">
                 <a:latin typeface="メイリオ" panose="020B0604030504040204" pitchFamily="50" charset="-128"/>
                 <a:ea typeface="メイリオ" panose="020B0604030504040204" pitchFamily="50" charset="-128"/>
               </a:rPr>
-              <a:t>○入力した文の要素を</a:t>
+              <a:t>入力</a:t>
+            </a:r>
+            <a:r>
+              <a:rPr lang="ja-JP" altLang="en-US" sz="4000" dirty="0" smtClean="0">
+                <a:latin typeface="メイリオ" panose="020B0604030504040204" pitchFamily="50" charset="-128"/>
+                <a:ea typeface="メイリオ" panose="020B0604030504040204" pitchFamily="50" charset="-128"/>
+              </a:rPr>
+              <a:t>した文の要素を</a:t>
             </a:r>
             <a:r>
               <a:rPr lang="en-US" altLang="ja-JP" sz="4000" dirty="0" smtClean="0">
@@ -5131,7 +5203,14 @@
                 <a:latin typeface="メイリオ" panose="020B0604030504040204" pitchFamily="50" charset="-128"/>
                 <a:ea typeface="メイリオ" panose="020B0604030504040204" pitchFamily="50" charset="-128"/>
               </a:rPr>
-              <a:t>使い，分類し，認識させることに成功した</a:t>
+              <a:t>使い，分類し，認識させることに成功</a:t>
+            </a:r>
+            <a:r>
+              <a:rPr lang="ja-JP" altLang="en-US" sz="4000" dirty="0" smtClean="0">
+                <a:latin typeface="メイリオ" panose="020B0604030504040204" pitchFamily="50" charset="-128"/>
+                <a:ea typeface="メイリオ" panose="020B0604030504040204" pitchFamily="50" charset="-128"/>
+              </a:rPr>
+              <a:t>した．</a:t>
             </a:r>
             <a:endParaRPr lang="en-US" altLang="ja-JP" sz="4000" dirty="0" smtClean="0">
               <a:latin typeface="メイリオ" panose="020B0604030504040204" pitchFamily="50" charset="-128"/>
@@ -5184,7 +5263,7 @@
         </p:nvSpPr>
         <p:spPr>
           <a:xfrm>
-            <a:off x="1493529" y="16925745"/>
+            <a:off x="1465709" y="18699042"/>
             <a:ext cx="7960362" cy="4401205"/>
           </a:xfrm>
           <a:prstGeom prst="rect">
@@ -5235,28 +5314,14 @@
                 <a:latin typeface="メイリオ" panose="020B0604030504040204" pitchFamily="50" charset="-128"/>
                 <a:ea typeface="メイリオ" panose="020B0604030504040204" pitchFamily="50" charset="-128"/>
               </a:rPr>
-              <a:t>を用い，</a:t>
+              <a:t>を用い，文書検査ツールを実装</a:t>
             </a:r>
             <a:r>
               <a:rPr lang="ja-JP" altLang="en-US" sz="4000" dirty="0" smtClean="0">
                 <a:latin typeface="メイリオ" panose="020B0604030504040204" pitchFamily="50" charset="-128"/>
                 <a:ea typeface="メイリオ" panose="020B0604030504040204" pitchFamily="50" charset="-128"/>
               </a:rPr>
-              <a:t>文書検査ツール</a:t>
-            </a:r>
-            <a:r>
-              <a:rPr lang="ja-JP" altLang="en-US" sz="4000" dirty="0" smtClean="0">
-                <a:latin typeface="メイリオ" panose="020B0604030504040204" pitchFamily="50" charset="-128"/>
-                <a:ea typeface="メイリオ" panose="020B0604030504040204" pitchFamily="50" charset="-128"/>
-              </a:rPr>
-              <a:t>を実装</a:t>
-            </a:r>
-            <a:r>
-              <a:rPr lang="ja-JP" altLang="en-US" sz="4000" dirty="0" smtClean="0">
-                <a:latin typeface="メイリオ" panose="020B0604030504040204" pitchFamily="50" charset="-128"/>
-                <a:ea typeface="メイリオ" panose="020B0604030504040204" pitchFamily="50" charset="-128"/>
-              </a:rPr>
-              <a:t>する</a:t>
+              <a:t>する．</a:t>
             </a:r>
             <a:endParaRPr lang="en-US" altLang="ja-JP" sz="4000" dirty="0" smtClean="0">
               <a:latin typeface="メイリオ" panose="020B0604030504040204" pitchFamily="50" charset="-128"/>
@@ -5287,7 +5352,7 @@
                 <a:latin typeface="メイリオ" panose="020B0604030504040204" pitchFamily="50" charset="-128"/>
                 <a:ea typeface="メイリオ" panose="020B0604030504040204" pitchFamily="50" charset="-128"/>
               </a:rPr>
-              <a:t>行う</a:t>
+              <a:t>行う．</a:t>
             </a:r>
             <a:endParaRPr lang="en-US" altLang="ja-JP" sz="4000" dirty="0" smtClean="0">
               <a:latin typeface="メイリオ" panose="020B0604030504040204" pitchFamily="50" charset="-128"/>
@@ -5332,7 +5397,7 @@
                 <a:latin typeface="メイリオ" panose="020B0604030504040204" pitchFamily="50" charset="-128"/>
                 <a:ea typeface="メイリオ" panose="020B0604030504040204" pitchFamily="50" charset="-128"/>
               </a:rPr>
-              <a:t>行う</a:t>
+              <a:t>行う．</a:t>
             </a:r>
             <a:endParaRPr lang="ja-JP" altLang="en-US" sz="4000" dirty="0">
               <a:latin typeface="メイリオ" panose="020B0604030504040204" pitchFamily="50" charset="-128"/>
@@ -5356,7 +5421,7 @@
                 <a:latin typeface="メイリオ" panose="020B0604030504040204" pitchFamily="50" charset="-128"/>
                 <a:ea typeface="メイリオ" panose="020B0604030504040204" pitchFamily="50" charset="-128"/>
               </a:rPr>
-              <a:t>する</a:t>
+              <a:t>する．</a:t>
             </a:r>
             <a:endParaRPr lang="en-US" altLang="ja-JP" sz="4000" dirty="0">
               <a:latin typeface="メイリオ" panose="020B0604030504040204" pitchFamily="50" charset="-128"/>
@@ -5694,7 +5759,21 @@
                   <a:latin typeface="メイリオ" panose="020B0604030504040204" pitchFamily="50" charset="-128"/>
                   <a:ea typeface="メイリオ" panose="020B0604030504040204" pitchFamily="50" charset="-128"/>
                 </a:rPr>
-                <a:t>言語をコンピュータに認識させるには，自然言語処理をすることが必要　</a:t>
+                <a:t>言語をコンピュータに認識させるには，自然言語処理をすることが</a:t>
+              </a:r>
+              <a:r>
+                <a:rPr lang="ja-JP" altLang="en-US" sz="4000" dirty="0" smtClean="0">
+                  <a:latin typeface="メイリオ" panose="020B0604030504040204" pitchFamily="50" charset="-128"/>
+                  <a:ea typeface="メイリオ" panose="020B0604030504040204" pitchFamily="50" charset="-128"/>
+                </a:rPr>
+                <a:t>必要．</a:t>
+              </a:r>
+              <a:r>
+                <a:rPr lang="ja-JP" altLang="en-US" sz="4000" dirty="0" smtClean="0">
+                  <a:latin typeface="メイリオ" panose="020B0604030504040204" pitchFamily="50" charset="-128"/>
+                  <a:ea typeface="メイリオ" panose="020B0604030504040204" pitchFamily="50" charset="-128"/>
+                </a:rPr>
+                <a:t>　</a:t>
               </a:r>
               <a:endParaRPr lang="en-US" altLang="ja-JP" sz="4000" dirty="0" smtClean="0">
                 <a:latin typeface="メイリオ" panose="020B0604030504040204" pitchFamily="50" charset="-128"/>
@@ -5712,8 +5791,8 @@
         </p:nvSpPr>
         <p:spPr>
           <a:xfrm>
-            <a:off x="10905073" y="15135923"/>
-            <a:ext cx="6196250" cy="993077"/>
+            <a:off x="10877253" y="17470842"/>
+            <a:ext cx="6196250" cy="1006010"/>
           </a:xfrm>
           <a:prstGeom prst="homePlate">
             <a:avLst/>
@@ -5776,7 +5855,7 @@
         </p:nvSpPr>
         <p:spPr>
           <a:xfrm>
-            <a:off x="1339857" y="12846521"/>
+            <a:off x="1654267" y="15687839"/>
             <a:ext cx="18184149" cy="1323439"/>
           </a:xfrm>
           <a:prstGeom prst="rect">
@@ -5830,7 +5909,14 @@
                 <a:latin typeface="メイリオ" panose="020B0604030504040204" pitchFamily="50" charset="-128"/>
                 <a:ea typeface="メイリオ" panose="020B0604030504040204" pitchFamily="50" charset="-128"/>
               </a:rPr>
-              <a:t>などのツールよりもより正確な検査結果を得られるかを検証，考察する．</a:t>
+              <a:t>などのツールよりもより正確な検査結果を得られるかを検証，考察</a:t>
+            </a:r>
+            <a:r>
+              <a:rPr lang="ja-JP" altLang="en-US" sz="4000" dirty="0" smtClean="0">
+                <a:latin typeface="メイリオ" panose="020B0604030504040204" pitchFamily="50" charset="-128"/>
+                <a:ea typeface="メイリオ" panose="020B0604030504040204" pitchFamily="50" charset="-128"/>
+              </a:rPr>
+              <a:t>する．</a:t>
             </a:r>
             <a:endParaRPr lang="en-US" altLang="ja-JP" sz="4000" dirty="0" smtClean="0">
               <a:latin typeface="メイリオ" panose="020B0604030504040204" pitchFamily="50" charset="-128"/>
@@ -5847,7 +5933,7 @@
         </p:nvSpPr>
         <p:spPr>
           <a:xfrm>
-            <a:off x="12079670" y="16970959"/>
+            <a:off x="12051850" y="18744256"/>
             <a:ext cx="7779027" cy="3785652"/>
           </a:xfrm>
           <a:prstGeom prst="rect">
@@ -5870,35 +5956,14 @@
                 <a:latin typeface="メイリオ" panose="020B0604030504040204" pitchFamily="50" charset="-128"/>
                 <a:ea typeface="メイリオ" panose="020B0604030504040204" pitchFamily="50" charset="-128"/>
               </a:rPr>
-              <a:t>機械</a:t>
+              <a:t>機械学習を用いた文書検査ツールの有用性の検証，</a:t>
             </a:r>
             <a:r>
               <a:rPr lang="ja-JP" altLang="en-US" sz="4000" dirty="0" smtClean="0">
                 <a:latin typeface="メイリオ" panose="020B0604030504040204" pitchFamily="50" charset="-128"/>
                 <a:ea typeface="メイリオ" panose="020B0604030504040204" pitchFamily="50" charset="-128"/>
               </a:rPr>
-              <a:t>学習を用いた文書検査</a:t>
-            </a:r>
-            <a:r>
-              <a:rPr lang="ja-JP" altLang="en-US" sz="4000" dirty="0" smtClean="0">
-                <a:latin typeface="メイリオ" panose="020B0604030504040204" pitchFamily="50" charset="-128"/>
-                <a:ea typeface="メイリオ" panose="020B0604030504040204" pitchFamily="50" charset="-128"/>
-              </a:rPr>
-              <a:t>ツールの</a:t>
-            </a:r>
-            <a:r>
-              <a:rPr lang="ja-JP" altLang="en-US" sz="4000" dirty="0" smtClean="0">
-                <a:latin typeface="メイリオ" panose="020B0604030504040204" pitchFamily="50" charset="-128"/>
-                <a:ea typeface="メイリオ" panose="020B0604030504040204" pitchFamily="50" charset="-128"/>
-              </a:rPr>
-              <a:t>有用性の検証，</a:t>
-            </a:r>
-            <a:r>
-              <a:rPr lang="ja-JP" altLang="en-US" sz="4000" dirty="0" smtClean="0">
-                <a:latin typeface="メイリオ" panose="020B0604030504040204" pitchFamily="50" charset="-128"/>
-                <a:ea typeface="メイリオ" panose="020B0604030504040204" pitchFamily="50" charset="-128"/>
-              </a:rPr>
-              <a:t>考察</a:t>
+              <a:t>考察．</a:t>
             </a:r>
             <a:endParaRPr lang="en-US" altLang="ja-JP" sz="4000" dirty="0" smtClean="0">
               <a:latin typeface="メイリオ" panose="020B0604030504040204" pitchFamily="50" charset="-128"/>
@@ -5929,7 +5994,14 @@
                 <a:latin typeface="メイリオ" panose="020B0604030504040204" pitchFamily="50" charset="-128"/>
                 <a:ea typeface="メイリオ" panose="020B0604030504040204" pitchFamily="50" charset="-128"/>
               </a:rPr>
-              <a:t>結果の違い</a:t>
+              <a:t>結果の</a:t>
+            </a:r>
+            <a:r>
+              <a:rPr lang="ja-JP" altLang="en-US" sz="4000" dirty="0" smtClean="0">
+                <a:latin typeface="メイリオ" panose="020B0604030504040204" pitchFamily="50" charset="-128"/>
+                <a:ea typeface="メイリオ" panose="020B0604030504040204" pitchFamily="50" charset="-128"/>
+              </a:rPr>
+              <a:t>違い．</a:t>
             </a:r>
             <a:endParaRPr lang="en-US" altLang="ja-JP" sz="4000" dirty="0" smtClean="0">
               <a:latin typeface="メイリオ" panose="020B0604030504040204" pitchFamily="50" charset="-128"/>
@@ -5953,7 +6025,7 @@
                 <a:latin typeface="メイリオ" panose="020B0604030504040204" pitchFamily="50" charset="-128"/>
                 <a:ea typeface="メイリオ" panose="020B0604030504040204" pitchFamily="50" charset="-128"/>
               </a:rPr>
-              <a:t>改善点</a:t>
+              <a:t>改善点．</a:t>
             </a:r>
             <a:endParaRPr lang="en-US" altLang="ja-JP" sz="4000" dirty="0">
               <a:latin typeface="メイリオ" panose="020B0604030504040204" pitchFamily="50" charset="-128"/>
@@ -5970,7 +6042,7 @@
         </p:nvSpPr>
         <p:spPr>
           <a:xfrm>
-            <a:off x="830045" y="12150938"/>
+            <a:off x="830045" y="14992256"/>
             <a:ext cx="19848511" cy="2341299"/>
           </a:xfrm>
           <a:prstGeom prst="roundRect">
@@ -6018,7 +6090,7 @@
         </p:nvSpPr>
         <p:spPr>
           <a:xfrm>
-            <a:off x="606962" y="11650597"/>
+            <a:off x="606962" y="14491915"/>
             <a:ext cx="4356447" cy="996180"/>
           </a:xfrm>
           <a:prstGeom prst="homePlate">
@@ -6068,6 +6140,372 @@
               <a:solidFill>
                 <a:sysClr val="windowText" lastClr="000000"/>
               </a:solidFill>
+              <a:latin typeface="メイリオ" panose="020B0604030504040204" pitchFamily="50" charset="-128"/>
+              <a:ea typeface="メイリオ" panose="020B0604030504040204" pitchFamily="50" charset="-128"/>
+            </a:endParaRPr>
+          </a:p>
+        </p:txBody>
+      </p:sp>
+      <p:sp>
+        <p:nvSpPr>
+          <p:cNvPr id="4" name="楕円 3"/>
+          <p:cNvSpPr/>
+          <p:nvPr/>
+        </p:nvSpPr>
+        <p:spPr>
+          <a:xfrm>
+            <a:off x="7309024" y="4102420"/>
+            <a:ext cx="1911178" cy="707886"/>
+          </a:xfrm>
+          <a:prstGeom prst="ellipse">
+            <a:avLst/>
+          </a:prstGeom>
+          <a:solidFill>
+            <a:schemeClr val="bg1"/>
+          </a:solidFill>
+          <a:ln>
+            <a:solidFill>
+              <a:schemeClr val="tx1"/>
+            </a:solidFill>
+          </a:ln>
+        </p:spPr>
+        <p:style>
+          <a:lnRef idx="2">
+            <a:schemeClr val="accent1">
+              <a:shade val="50000"/>
+            </a:schemeClr>
+          </a:lnRef>
+          <a:fillRef idx="1">
+            <a:schemeClr val="accent1"/>
+          </a:fillRef>
+          <a:effectRef idx="0">
+            <a:schemeClr val="accent1"/>
+          </a:effectRef>
+          <a:fontRef idx="minor">
+            <a:schemeClr val="lt1"/>
+          </a:fontRef>
+        </p:style>
+        <p:txBody>
+          <a:bodyPr rtlCol="0" anchor="ctr"/>
+          <a:lstStyle/>
+          <a:p>
+            <a:pPr algn="ctr"/>
+            <a:r>
+              <a:rPr kumimoji="1" lang="ja-JP" altLang="en-US" sz="2800" dirty="0" smtClean="0">
+                <a:solidFill>
+                  <a:sysClr val="windowText" lastClr="000000"/>
+                </a:solidFill>
+                <a:latin typeface="メイリオ" panose="020B0604030504040204" pitchFamily="50" charset="-128"/>
+                <a:ea typeface="メイリオ" panose="020B0604030504040204" pitchFamily="50" charset="-128"/>
+              </a:rPr>
+              <a:t>曖昧さ</a:t>
+            </a:r>
+            <a:endParaRPr kumimoji="1" lang="ja-JP" altLang="en-US" sz="2800" dirty="0">
+              <a:solidFill>
+                <a:sysClr val="windowText" lastClr="000000"/>
+              </a:solidFill>
+              <a:latin typeface="メイリオ" panose="020B0604030504040204" pitchFamily="50" charset="-128"/>
+              <a:ea typeface="メイリオ" panose="020B0604030504040204" pitchFamily="50" charset="-128"/>
+            </a:endParaRPr>
+          </a:p>
+        </p:txBody>
+      </p:sp>
+      <p:sp>
+        <p:nvSpPr>
+          <p:cNvPr id="46" name="楕円 45"/>
+          <p:cNvSpPr/>
+          <p:nvPr/>
+        </p:nvSpPr>
+        <p:spPr>
+          <a:xfrm>
+            <a:off x="7309024" y="4927045"/>
+            <a:ext cx="1911178" cy="707886"/>
+          </a:xfrm>
+          <a:prstGeom prst="ellipse">
+            <a:avLst/>
+          </a:prstGeom>
+          <a:solidFill>
+            <a:schemeClr val="bg1"/>
+          </a:solidFill>
+          <a:ln>
+            <a:solidFill>
+              <a:schemeClr val="tx1"/>
+            </a:solidFill>
+          </a:ln>
+        </p:spPr>
+        <p:style>
+          <a:lnRef idx="2">
+            <a:schemeClr val="accent1">
+              <a:shade val="50000"/>
+            </a:schemeClr>
+          </a:lnRef>
+          <a:fillRef idx="1">
+            <a:schemeClr val="accent1"/>
+          </a:fillRef>
+          <a:effectRef idx="0">
+            <a:schemeClr val="accent1"/>
+          </a:effectRef>
+          <a:fontRef idx="minor">
+            <a:schemeClr val="lt1"/>
+          </a:fontRef>
+        </p:style>
+        <p:txBody>
+          <a:bodyPr rtlCol="0" anchor="ctr"/>
+          <a:lstStyle/>
+          <a:p>
+            <a:pPr algn="ctr"/>
+            <a:r>
+              <a:rPr kumimoji="1" lang="ja-JP" altLang="en-US" sz="2800" dirty="0" smtClean="0">
+                <a:solidFill>
+                  <a:sysClr val="windowText" lastClr="000000"/>
+                </a:solidFill>
+                <a:latin typeface="メイリオ" panose="020B0604030504040204" pitchFamily="50" charset="-128"/>
+                <a:ea typeface="メイリオ" panose="020B0604030504040204" pitchFamily="50" charset="-128"/>
+              </a:rPr>
+              <a:t>文 化</a:t>
+            </a:r>
+            <a:endParaRPr kumimoji="1" lang="ja-JP" altLang="en-US" sz="2800" dirty="0">
+              <a:solidFill>
+                <a:sysClr val="windowText" lastClr="000000"/>
+              </a:solidFill>
+              <a:latin typeface="メイリオ" panose="020B0604030504040204" pitchFamily="50" charset="-128"/>
+              <a:ea typeface="メイリオ" panose="020B0604030504040204" pitchFamily="50" charset="-128"/>
+            </a:endParaRPr>
+          </a:p>
+        </p:txBody>
+      </p:sp>
+      <p:sp>
+        <p:nvSpPr>
+          <p:cNvPr id="61" name="テキスト ボックス 60"/>
+          <p:cNvSpPr txBox="1"/>
+          <p:nvPr/>
+        </p:nvSpPr>
+        <p:spPr>
+          <a:xfrm>
+            <a:off x="4566725" y="8515251"/>
+            <a:ext cx="2319055" cy="723578"/>
+          </a:xfrm>
+          <a:prstGeom prst="rect">
+            <a:avLst/>
+          </a:prstGeom>
+          <a:noFill/>
+        </p:spPr>
+        <p:txBody>
+          <a:bodyPr wrap="square" rtlCol="0">
+            <a:spAutoFit/>
+          </a:bodyPr>
+          <a:lstStyle/>
+          <a:p>
+            <a:r>
+              <a:rPr lang="ja-JP" altLang="en-US" sz="4000" dirty="0" smtClean="0">
+                <a:latin typeface="メイリオ" panose="020B0604030504040204" pitchFamily="50" charset="-128"/>
+                <a:ea typeface="メイリオ" panose="020B0604030504040204" pitchFamily="50" charset="-128"/>
+              </a:rPr>
+              <a:t>とは</a:t>
+            </a:r>
+            <a:r>
+              <a:rPr lang="en-US" altLang="ja-JP" sz="4000" dirty="0" smtClean="0">
+                <a:latin typeface="メイリオ" panose="020B0604030504040204" pitchFamily="50" charset="-128"/>
+                <a:ea typeface="メイリオ" panose="020B0604030504040204" pitchFamily="50" charset="-128"/>
+              </a:rPr>
+              <a:t>…</a:t>
+            </a:r>
+            <a:endParaRPr lang="en-US" altLang="ja-JP" sz="4000" dirty="0" smtClean="0">
+              <a:latin typeface="メイリオ" panose="020B0604030504040204" pitchFamily="50" charset="-128"/>
+              <a:ea typeface="メイリオ" panose="020B0604030504040204" pitchFamily="50" charset="-128"/>
+            </a:endParaRPr>
+          </a:p>
+        </p:txBody>
+      </p:sp>
+      <p:grpSp>
+        <p:nvGrpSpPr>
+          <p:cNvPr id="62" name="グループ化 61"/>
+          <p:cNvGrpSpPr/>
+          <p:nvPr/>
+        </p:nvGrpSpPr>
+        <p:grpSpPr>
+          <a:xfrm>
+            <a:off x="1838100" y="9235331"/>
+            <a:ext cx="18267546" cy="2969208"/>
+            <a:chOff x="12577764" y="5443978"/>
+            <a:chExt cx="8412780" cy="2606460"/>
+          </a:xfrm>
+        </p:grpSpPr>
+        <p:sp>
+          <p:nvSpPr>
+            <p:cNvPr id="66" name="角丸四角形 65"/>
+            <p:cNvSpPr/>
+            <p:nvPr/>
+          </p:nvSpPr>
+          <p:spPr>
+            <a:xfrm>
+              <a:off x="12577764" y="5443978"/>
+              <a:ext cx="8412780" cy="2606460"/>
+            </a:xfrm>
+            <a:prstGeom prst="roundRect">
+              <a:avLst/>
+            </a:prstGeom>
+            <a:noFill/>
+            <a:ln w="28575">
+              <a:solidFill>
+                <a:schemeClr val="tx1"/>
+              </a:solidFill>
+            </a:ln>
+          </p:spPr>
+          <p:style>
+            <a:lnRef idx="2">
+              <a:schemeClr val="accent1">
+                <a:shade val="50000"/>
+              </a:schemeClr>
+            </a:lnRef>
+            <a:fillRef idx="1">
+              <a:schemeClr val="accent1"/>
+            </a:fillRef>
+            <a:effectRef idx="0">
+              <a:schemeClr val="accent1"/>
+            </a:effectRef>
+            <a:fontRef idx="minor">
+              <a:schemeClr val="lt1"/>
+            </a:fontRef>
+          </p:style>
+          <p:txBody>
+            <a:bodyPr rtlCol="0" anchor="ctr"/>
+            <a:lstStyle/>
+            <a:p>
+              <a:pPr algn="ctr"/>
+              <a:endParaRPr kumimoji="1" lang="ja-JP" altLang="en-US"/>
+            </a:p>
+          </p:txBody>
+        </p:sp>
+        <p:sp>
+          <p:nvSpPr>
+            <p:cNvPr id="67" name="テキスト ボックス 66"/>
+            <p:cNvSpPr txBox="1"/>
+            <p:nvPr/>
+          </p:nvSpPr>
+          <p:spPr>
+            <a:xfrm>
+              <a:off x="12688058" y="5666742"/>
+              <a:ext cx="8175946" cy="2242456"/>
+            </a:xfrm>
+            <a:prstGeom prst="rect">
+              <a:avLst/>
+            </a:prstGeom>
+            <a:noFill/>
+          </p:spPr>
+          <p:txBody>
+            <a:bodyPr wrap="square" rtlCol="0">
+              <a:spAutoFit/>
+            </a:bodyPr>
+            <a:lstStyle/>
+            <a:p>
+              <a:r>
+                <a:rPr lang="ja-JP" altLang="en-US" sz="4000" dirty="0" smtClean="0">
+                  <a:latin typeface="メイリオ" panose="020B0604030504040204" pitchFamily="50" charset="-128"/>
+                  <a:ea typeface="メイリオ" panose="020B0604030504040204" pitchFamily="50" charset="-128"/>
+                </a:rPr>
+                <a:t>コグニティブ・コンピューティングシステムと呼ばれており，認知した情報に基づいて理解，推論するプラットフォームである．</a:t>
+              </a:r>
+              <a:endParaRPr lang="en-US" altLang="ja-JP" sz="4000" dirty="0" smtClean="0">
+                <a:latin typeface="メイリオ" panose="020B0604030504040204" pitchFamily="50" charset="-128"/>
+                <a:ea typeface="メイリオ" panose="020B0604030504040204" pitchFamily="50" charset="-128"/>
+              </a:endParaRPr>
+            </a:p>
+            <a:p>
+              <a:r>
+                <a:rPr lang="ja-JP" altLang="en-US" sz="4000" dirty="0" smtClean="0">
+                  <a:latin typeface="メイリオ" panose="020B0604030504040204" pitchFamily="50" charset="-128"/>
+                  <a:ea typeface="メイリオ" panose="020B0604030504040204" pitchFamily="50" charset="-128"/>
+                </a:rPr>
+                <a:t>人間の言葉を理解するだけでなく，学習</a:t>
+              </a:r>
+              <a:r>
+                <a:rPr lang="ja-JP" altLang="en-US" sz="4000" dirty="0">
+                  <a:latin typeface="メイリオ" panose="020B0604030504040204" pitchFamily="50" charset="-128"/>
+                  <a:ea typeface="メイリオ" panose="020B0604030504040204" pitchFamily="50" charset="-128"/>
+                </a:rPr>
+                <a:t>次第</a:t>
+              </a:r>
+              <a:r>
+                <a:rPr lang="ja-JP" altLang="en-US" sz="4000" dirty="0" smtClean="0">
+                  <a:latin typeface="メイリオ" panose="020B0604030504040204" pitchFamily="50" charset="-128"/>
+                  <a:ea typeface="メイリオ" panose="020B0604030504040204" pitchFamily="50" charset="-128"/>
+                </a:rPr>
+                <a:t>で多様な言語表現をもって対応できる．</a:t>
+              </a:r>
+              <a:endParaRPr lang="en-US" altLang="ja-JP" sz="4000" dirty="0" smtClean="0">
+                <a:latin typeface="メイリオ" panose="020B0604030504040204" pitchFamily="50" charset="-128"/>
+                <a:ea typeface="メイリオ" panose="020B0604030504040204" pitchFamily="50" charset="-128"/>
+              </a:endParaRPr>
+            </a:p>
+          </p:txBody>
+        </p:sp>
+      </p:grpSp>
+      <p:sp>
+        <p:nvSpPr>
+          <p:cNvPr id="72" name="テキスト ボックス 71"/>
+          <p:cNvSpPr txBox="1"/>
+          <p:nvPr/>
+        </p:nvSpPr>
+        <p:spPr>
+          <a:xfrm>
+            <a:off x="13509251" y="11683603"/>
+            <a:ext cx="6761213" cy="400110"/>
+          </a:xfrm>
+          <a:prstGeom prst="rect">
+            <a:avLst/>
+          </a:prstGeom>
+          <a:noFill/>
+        </p:spPr>
+        <p:txBody>
+          <a:bodyPr wrap="square" rtlCol="0">
+            <a:spAutoFit/>
+          </a:bodyPr>
+          <a:lstStyle/>
+          <a:p>
+            <a:r>
+              <a:rPr lang="ja-JP" altLang="en-US" sz="2000" dirty="0" smtClean="0">
+                <a:latin typeface="メイリオ" panose="020B0604030504040204" pitchFamily="50" charset="-128"/>
+                <a:ea typeface="メイリオ" panose="020B0604030504040204" pitchFamily="50" charset="-128"/>
+              </a:rPr>
+              <a:t>初めての</a:t>
+            </a:r>
+            <a:r>
+              <a:rPr lang="en-US" altLang="ja-JP" sz="2000" dirty="0" smtClean="0">
+                <a:latin typeface="メイリオ" panose="020B0604030504040204" pitchFamily="50" charset="-128"/>
+                <a:ea typeface="メイリオ" panose="020B0604030504040204" pitchFamily="50" charset="-128"/>
+              </a:rPr>
+              <a:t>Watson</a:t>
+            </a:r>
+            <a:r>
+              <a:rPr lang="ja-JP" altLang="en-US" sz="2000" dirty="0">
+                <a:latin typeface="メイリオ" panose="020B0604030504040204" pitchFamily="50" charset="-128"/>
+                <a:ea typeface="メイリオ" panose="020B0604030504040204" pitchFamily="50" charset="-128"/>
+              </a:rPr>
+              <a:t> </a:t>
+            </a:r>
+            <a:r>
+              <a:rPr lang="en-US" altLang="ja-JP" sz="2000" dirty="0" smtClean="0">
+                <a:latin typeface="メイリオ" panose="020B0604030504040204" pitchFamily="50" charset="-128"/>
+                <a:ea typeface="メイリオ" panose="020B0604030504040204" pitchFamily="50" charset="-128"/>
+              </a:rPr>
+              <a:t>API</a:t>
+            </a:r>
+            <a:r>
+              <a:rPr lang="ja-JP" altLang="en-US" sz="2000" dirty="0" smtClean="0">
+                <a:latin typeface="メイリオ" panose="020B0604030504040204" pitchFamily="50" charset="-128"/>
+                <a:ea typeface="メイリオ" panose="020B0604030504040204" pitchFamily="50" charset="-128"/>
+              </a:rPr>
+              <a:t>用例と実践プログラミング </a:t>
+            </a:r>
+            <a:r>
+              <a:rPr lang="ja-JP" altLang="en-US" sz="2000" dirty="0" smtClean="0">
+                <a:latin typeface="メイリオ" panose="020B0604030504040204" pitchFamily="50" charset="-128"/>
+                <a:ea typeface="メイリオ" panose="020B0604030504040204" pitchFamily="50" charset="-128"/>
+              </a:rPr>
+              <a:t>より</a:t>
+            </a:r>
+            <a:endParaRPr lang="en-US" altLang="ja-JP" sz="2000" dirty="0" smtClean="0">
               <a:latin typeface="メイリオ" panose="020B0604030504040204" pitchFamily="50" charset="-128"/>
               <a:ea typeface="メイリオ" panose="020B0604030504040204" pitchFamily="50" charset="-128"/>
             </a:endParaRPr>
